--- a/src/ObjectOrientedProgramming/OOP_Images.pptx
+++ b/src/ObjectOrientedProgramming/OOP_Images.pptx
@@ -6,6 +6,9 @@
   </p:sldMasterIdLst>
   <p:sldIdLst>
     <p:sldId id="256" r:id="rId2"/>
+    <p:sldId id="258" r:id="rId3"/>
+    <p:sldId id="259" r:id="rId4"/>
+    <p:sldId id="261" r:id="rId5"/>
   </p:sldIdLst>
   <p:sldSz cx="12192000" cy="6858000"/>
   <p:notesSz cx="6858000" cy="9144000"/>
@@ -238,7 +241,7 @@
           <a:p>
             <a:fld id="{41F21510-7C01-40E0-8429-62CFA4A2665D}" type="datetimeFigureOut">
               <a:rPr lang="en-US" smtClean="0"/>
-              <a:t>5/31/2017</a:t>
+              <a:t>6/2/2017</a:t>
             </a:fld>
             <a:endParaRPr lang="en-US"/>
           </a:p>
@@ -408,7 +411,7 @@
           <a:p>
             <a:fld id="{41F21510-7C01-40E0-8429-62CFA4A2665D}" type="datetimeFigureOut">
               <a:rPr lang="en-US" smtClean="0"/>
-              <a:t>5/31/2017</a:t>
+              <a:t>6/2/2017</a:t>
             </a:fld>
             <a:endParaRPr lang="en-US"/>
           </a:p>
@@ -588,7 +591,7 @@
           <a:p>
             <a:fld id="{41F21510-7C01-40E0-8429-62CFA4A2665D}" type="datetimeFigureOut">
               <a:rPr lang="en-US" smtClean="0"/>
-              <a:t>5/31/2017</a:t>
+              <a:t>6/2/2017</a:t>
             </a:fld>
             <a:endParaRPr lang="en-US"/>
           </a:p>
@@ -758,7 +761,7 @@
           <a:p>
             <a:fld id="{41F21510-7C01-40E0-8429-62CFA4A2665D}" type="datetimeFigureOut">
               <a:rPr lang="en-US" smtClean="0"/>
-              <a:t>5/31/2017</a:t>
+              <a:t>6/2/2017</a:t>
             </a:fld>
             <a:endParaRPr lang="en-US"/>
           </a:p>
@@ -1004,7 +1007,7 @@
           <a:p>
             <a:fld id="{41F21510-7C01-40E0-8429-62CFA4A2665D}" type="datetimeFigureOut">
               <a:rPr lang="en-US" smtClean="0"/>
-              <a:t>5/31/2017</a:t>
+              <a:t>6/2/2017</a:t>
             </a:fld>
             <a:endParaRPr lang="en-US"/>
           </a:p>
@@ -1236,7 +1239,7 @@
           <a:p>
             <a:fld id="{41F21510-7C01-40E0-8429-62CFA4A2665D}" type="datetimeFigureOut">
               <a:rPr lang="en-US" smtClean="0"/>
-              <a:t>5/31/2017</a:t>
+              <a:t>6/2/2017</a:t>
             </a:fld>
             <a:endParaRPr lang="en-US"/>
           </a:p>
@@ -1603,7 +1606,7 @@
           <a:p>
             <a:fld id="{41F21510-7C01-40E0-8429-62CFA4A2665D}" type="datetimeFigureOut">
               <a:rPr lang="en-US" smtClean="0"/>
-              <a:t>5/31/2017</a:t>
+              <a:t>6/2/2017</a:t>
             </a:fld>
             <a:endParaRPr lang="en-US"/>
           </a:p>
@@ -1721,7 +1724,7 @@
           <a:p>
             <a:fld id="{41F21510-7C01-40E0-8429-62CFA4A2665D}" type="datetimeFigureOut">
               <a:rPr lang="en-US" smtClean="0"/>
-              <a:t>5/31/2017</a:t>
+              <a:t>6/2/2017</a:t>
             </a:fld>
             <a:endParaRPr lang="en-US"/>
           </a:p>
@@ -1816,7 +1819,7 @@
           <a:p>
             <a:fld id="{41F21510-7C01-40E0-8429-62CFA4A2665D}" type="datetimeFigureOut">
               <a:rPr lang="en-US" smtClean="0"/>
-              <a:t>5/31/2017</a:t>
+              <a:t>6/2/2017</a:t>
             </a:fld>
             <a:endParaRPr lang="en-US"/>
           </a:p>
@@ -2093,7 +2096,7 @@
           <a:p>
             <a:fld id="{41F21510-7C01-40E0-8429-62CFA4A2665D}" type="datetimeFigureOut">
               <a:rPr lang="en-US" smtClean="0"/>
-              <a:t>5/31/2017</a:t>
+              <a:t>6/2/2017</a:t>
             </a:fld>
             <a:endParaRPr lang="en-US"/>
           </a:p>
@@ -2346,7 +2349,7 @@
           <a:p>
             <a:fld id="{41F21510-7C01-40E0-8429-62CFA4A2665D}" type="datetimeFigureOut">
               <a:rPr lang="en-US" smtClean="0"/>
-              <a:t>5/31/2017</a:t>
+              <a:t>6/2/2017</a:t>
             </a:fld>
             <a:endParaRPr lang="en-US"/>
           </a:p>
@@ -2559,7 +2562,7 @@
           <a:p>
             <a:fld id="{41F21510-7C01-40E0-8429-62CFA4A2665D}" type="datetimeFigureOut">
               <a:rPr lang="en-US" smtClean="0"/>
-              <a:t>5/31/2017</a:t>
+              <a:t>6/2/2017</a:t>
             </a:fld>
             <a:endParaRPr lang="en-US"/>
           </a:p>
@@ -3241,6 +3244,662 @@
   <p:clrMapOvr>
     <a:masterClrMapping/>
   </p:clrMapOvr>
+  <p:timing>
+    <p:tnLst>
+      <p:par>
+        <p:cTn id="1" dur="indefinite" restart="never" nodeType="tmRoot"/>
+      </p:par>
+    </p:tnLst>
+  </p:timing>
+</p:sld>
+</file>
+
+<file path=ppt/slides/slide2.xml><?xml version="1.0" encoding="utf-8"?>
+<p:sld xmlns:a="http://schemas.openxmlformats.org/drawingml/2006/main" xmlns:r="http://schemas.openxmlformats.org/officeDocument/2006/relationships" xmlns:p="http://schemas.openxmlformats.org/presentationml/2006/main">
+  <p:cSld>
+    <p:spTree>
+      <p:nvGrpSpPr>
+        <p:cNvPr id="1" name=""/>
+        <p:cNvGrpSpPr/>
+        <p:nvPr/>
+      </p:nvGrpSpPr>
+      <p:grpSpPr>
+        <a:xfrm>
+          <a:off x="0" y="0"/>
+          <a:ext cx="0" cy="0"/>
+          <a:chOff x="0" y="0"/>
+          <a:chExt cx="0" cy="0"/>
+        </a:xfrm>
+      </p:grpSpPr>
+      <p:sp>
+        <p:nvSpPr>
+          <p:cNvPr id="3" name="Rectangle 2"/>
+          <p:cNvSpPr/>
+          <p:nvPr/>
+        </p:nvSpPr>
+        <p:spPr>
+          <a:xfrm>
+            <a:off x="3254928" y="3456264"/>
+            <a:ext cx="1803633" cy="805343"/>
+          </a:xfrm>
+          <a:prstGeom prst="rect">
+            <a:avLst/>
+          </a:prstGeom>
+        </p:spPr>
+        <p:style>
+          <a:lnRef idx="2">
+            <a:schemeClr val="accent1">
+              <a:shade val="50000"/>
+            </a:schemeClr>
+          </a:lnRef>
+          <a:fillRef idx="1">
+            <a:schemeClr val="accent1"/>
+          </a:fillRef>
+          <a:effectRef idx="0">
+            <a:schemeClr val="accent1"/>
+          </a:effectRef>
+          <a:fontRef idx="minor">
+            <a:schemeClr val="lt1"/>
+          </a:fontRef>
+        </p:style>
+        <p:txBody>
+          <a:bodyPr rtlCol="0" anchor="ctr"/>
+          <a:lstStyle/>
+          <a:p>
+            <a:pPr algn="ctr"/>
+            <a:r>
+              <a:rPr lang="en-US" dirty="0" smtClean="0"/>
+              <a:t>Samsung</a:t>
+            </a:r>
+            <a:endParaRPr lang="en-US" dirty="0"/>
+          </a:p>
+        </p:txBody>
+      </p:sp>
+      <p:sp>
+        <p:nvSpPr>
+          <p:cNvPr id="7" name="Up Arrow 6"/>
+          <p:cNvSpPr/>
+          <p:nvPr/>
+        </p:nvSpPr>
+        <p:spPr>
+          <a:xfrm>
+            <a:off x="4219662" y="2558642"/>
+            <a:ext cx="67112" cy="897622"/>
+          </a:xfrm>
+          <a:prstGeom prst="upArrow">
+            <a:avLst/>
+          </a:prstGeom>
+        </p:spPr>
+        <p:style>
+          <a:lnRef idx="2">
+            <a:schemeClr val="accent1">
+              <a:shade val="50000"/>
+            </a:schemeClr>
+          </a:lnRef>
+          <a:fillRef idx="1">
+            <a:schemeClr val="accent1"/>
+          </a:fillRef>
+          <a:effectRef idx="0">
+            <a:schemeClr val="accent1"/>
+          </a:effectRef>
+          <a:fontRef idx="minor">
+            <a:schemeClr val="lt1"/>
+          </a:fontRef>
+        </p:style>
+        <p:txBody>
+          <a:bodyPr rtlCol="0" anchor="ctr"/>
+          <a:lstStyle/>
+          <a:p>
+            <a:pPr algn="ctr"/>
+            <a:endParaRPr lang="en-US"/>
+          </a:p>
+        </p:txBody>
+      </p:sp>
+      <p:sp>
+        <p:nvSpPr>
+          <p:cNvPr id="8" name="Rectangle 7"/>
+          <p:cNvSpPr/>
+          <p:nvPr/>
+        </p:nvSpPr>
+        <p:spPr>
+          <a:xfrm>
+            <a:off x="3254928" y="1753298"/>
+            <a:ext cx="1803633" cy="805343"/>
+          </a:xfrm>
+          <a:prstGeom prst="rect">
+            <a:avLst/>
+          </a:prstGeom>
+        </p:spPr>
+        <p:style>
+          <a:lnRef idx="2">
+            <a:schemeClr val="accent1">
+              <a:shade val="50000"/>
+            </a:schemeClr>
+          </a:lnRef>
+          <a:fillRef idx="1">
+            <a:schemeClr val="accent1"/>
+          </a:fillRef>
+          <a:effectRef idx="0">
+            <a:schemeClr val="accent1"/>
+          </a:effectRef>
+          <a:fontRef idx="minor">
+            <a:schemeClr val="lt1"/>
+          </a:fontRef>
+        </p:style>
+        <p:txBody>
+          <a:bodyPr rtlCol="0" anchor="ctr"/>
+          <a:lstStyle/>
+          <a:p>
+            <a:pPr algn="ctr"/>
+            <a:r>
+              <a:rPr lang="en-US" dirty="0" smtClean="0"/>
+              <a:t>Mobile</a:t>
+            </a:r>
+            <a:endParaRPr lang="en-US" dirty="0"/>
+          </a:p>
+        </p:txBody>
+      </p:sp>
+    </p:spTree>
+    <p:extLst>
+      <p:ext uri="{BB962C8B-B14F-4D97-AF65-F5344CB8AC3E}">
+        <p14:creationId xmlns:p14="http://schemas.microsoft.com/office/powerpoint/2010/main" val="3790930986"/>
+      </p:ext>
+    </p:extLst>
+  </p:cSld>
+  <p:clrMapOvr>
+    <a:masterClrMapping/>
+  </p:clrMapOvr>
+  <p:timing>
+    <p:tnLst>
+      <p:par>
+        <p:cTn id="1" dur="indefinite" restart="never" nodeType="tmRoot"/>
+      </p:par>
+    </p:tnLst>
+  </p:timing>
+</p:sld>
+</file>
+
+<file path=ppt/slides/slide3.xml><?xml version="1.0" encoding="utf-8"?>
+<p:sld xmlns:a="http://schemas.openxmlformats.org/drawingml/2006/main" xmlns:r="http://schemas.openxmlformats.org/officeDocument/2006/relationships" xmlns:p="http://schemas.openxmlformats.org/presentationml/2006/main">
+  <p:cSld>
+    <p:spTree>
+      <p:nvGrpSpPr>
+        <p:cNvPr id="1" name=""/>
+        <p:cNvGrpSpPr/>
+        <p:nvPr/>
+      </p:nvGrpSpPr>
+      <p:grpSpPr>
+        <a:xfrm>
+          <a:off x="0" y="0"/>
+          <a:ext cx="0" cy="0"/>
+          <a:chOff x="0" y="0"/>
+          <a:chExt cx="0" cy="0"/>
+        </a:xfrm>
+      </p:grpSpPr>
+      <p:sp>
+        <p:nvSpPr>
+          <p:cNvPr id="3" name="Rectangle 2"/>
+          <p:cNvSpPr/>
+          <p:nvPr/>
+        </p:nvSpPr>
+        <p:spPr>
+          <a:xfrm>
+            <a:off x="3384957" y="3456263"/>
+            <a:ext cx="1803633" cy="805343"/>
+          </a:xfrm>
+          <a:prstGeom prst="rect">
+            <a:avLst/>
+          </a:prstGeom>
+        </p:spPr>
+        <p:style>
+          <a:lnRef idx="2">
+            <a:schemeClr val="accent1">
+              <a:shade val="50000"/>
+            </a:schemeClr>
+          </a:lnRef>
+          <a:fillRef idx="1">
+            <a:schemeClr val="accent1"/>
+          </a:fillRef>
+          <a:effectRef idx="0">
+            <a:schemeClr val="accent1"/>
+          </a:effectRef>
+          <a:fontRef idx="minor">
+            <a:schemeClr val="lt1"/>
+          </a:fontRef>
+        </p:style>
+        <p:txBody>
+          <a:bodyPr rtlCol="0" anchor="ctr"/>
+          <a:lstStyle/>
+          <a:p>
+            <a:pPr algn="ctr"/>
+            <a:r>
+              <a:rPr lang="en-US" dirty="0" smtClean="0"/>
+              <a:t>Samsung</a:t>
+            </a:r>
+            <a:endParaRPr lang="en-US" dirty="0"/>
+          </a:p>
+        </p:txBody>
+      </p:sp>
+      <p:sp>
+        <p:nvSpPr>
+          <p:cNvPr id="4" name="Up Arrow 3"/>
+          <p:cNvSpPr/>
+          <p:nvPr/>
+        </p:nvSpPr>
+        <p:spPr>
+          <a:xfrm>
+            <a:off x="4219662" y="2558642"/>
+            <a:ext cx="67112" cy="897622"/>
+          </a:xfrm>
+          <a:prstGeom prst="upArrow">
+            <a:avLst/>
+          </a:prstGeom>
+        </p:spPr>
+        <p:style>
+          <a:lnRef idx="2">
+            <a:schemeClr val="accent1">
+              <a:shade val="50000"/>
+            </a:schemeClr>
+          </a:lnRef>
+          <a:fillRef idx="1">
+            <a:schemeClr val="accent1"/>
+          </a:fillRef>
+          <a:effectRef idx="0">
+            <a:schemeClr val="accent1"/>
+          </a:effectRef>
+          <a:fontRef idx="minor">
+            <a:schemeClr val="lt1"/>
+          </a:fontRef>
+        </p:style>
+        <p:txBody>
+          <a:bodyPr rtlCol="0" anchor="ctr"/>
+          <a:lstStyle/>
+          <a:p>
+            <a:pPr algn="ctr"/>
+            <a:endParaRPr lang="en-US"/>
+          </a:p>
+        </p:txBody>
+      </p:sp>
+      <p:sp>
+        <p:nvSpPr>
+          <p:cNvPr id="5" name="Rectangle 4"/>
+          <p:cNvSpPr/>
+          <p:nvPr/>
+        </p:nvSpPr>
+        <p:spPr>
+          <a:xfrm>
+            <a:off x="3455843" y="4858624"/>
+            <a:ext cx="1803633" cy="805343"/>
+          </a:xfrm>
+          <a:prstGeom prst="rect">
+            <a:avLst/>
+          </a:prstGeom>
+        </p:spPr>
+        <p:style>
+          <a:lnRef idx="2">
+            <a:schemeClr val="accent1">
+              <a:shade val="50000"/>
+            </a:schemeClr>
+          </a:lnRef>
+          <a:fillRef idx="1">
+            <a:schemeClr val="accent1"/>
+          </a:fillRef>
+          <a:effectRef idx="0">
+            <a:schemeClr val="accent1"/>
+          </a:effectRef>
+          <a:fontRef idx="minor">
+            <a:schemeClr val="lt1"/>
+          </a:fontRef>
+        </p:style>
+        <p:txBody>
+          <a:bodyPr rtlCol="0" anchor="ctr"/>
+          <a:lstStyle/>
+          <a:p>
+            <a:pPr algn="ctr"/>
+            <a:r>
+              <a:rPr lang="en-US" dirty="0" smtClean="0"/>
+              <a:t>SamsungS5</a:t>
+            </a:r>
+            <a:endParaRPr lang="en-US" dirty="0"/>
+          </a:p>
+        </p:txBody>
+      </p:sp>
+      <p:sp>
+        <p:nvSpPr>
+          <p:cNvPr id="6" name="Up Arrow 5"/>
+          <p:cNvSpPr/>
+          <p:nvPr/>
+        </p:nvSpPr>
+        <p:spPr>
+          <a:xfrm>
+            <a:off x="4186106" y="4261607"/>
+            <a:ext cx="45719" cy="597017"/>
+          </a:xfrm>
+          <a:prstGeom prst="upArrow">
+            <a:avLst/>
+          </a:prstGeom>
+        </p:spPr>
+        <p:style>
+          <a:lnRef idx="2">
+            <a:schemeClr val="accent1">
+              <a:shade val="50000"/>
+            </a:schemeClr>
+          </a:lnRef>
+          <a:fillRef idx="1">
+            <a:schemeClr val="accent1"/>
+          </a:fillRef>
+          <a:effectRef idx="0">
+            <a:schemeClr val="accent1"/>
+          </a:effectRef>
+          <a:fontRef idx="minor">
+            <a:schemeClr val="lt1"/>
+          </a:fontRef>
+        </p:style>
+        <p:txBody>
+          <a:bodyPr rtlCol="0" anchor="ctr"/>
+          <a:lstStyle/>
+          <a:p>
+            <a:pPr algn="ctr"/>
+            <a:endParaRPr lang="en-US"/>
+          </a:p>
+        </p:txBody>
+      </p:sp>
+      <p:sp>
+        <p:nvSpPr>
+          <p:cNvPr id="7" name="Rectangle 6"/>
+          <p:cNvSpPr/>
+          <p:nvPr/>
+        </p:nvSpPr>
+        <p:spPr>
+          <a:xfrm>
+            <a:off x="3351401" y="1753299"/>
+            <a:ext cx="1803633" cy="805343"/>
+          </a:xfrm>
+          <a:prstGeom prst="rect">
+            <a:avLst/>
+          </a:prstGeom>
+        </p:spPr>
+        <p:style>
+          <a:lnRef idx="2">
+            <a:schemeClr val="accent1">
+              <a:shade val="50000"/>
+            </a:schemeClr>
+          </a:lnRef>
+          <a:fillRef idx="1">
+            <a:schemeClr val="accent1"/>
+          </a:fillRef>
+          <a:effectRef idx="0">
+            <a:schemeClr val="accent1"/>
+          </a:effectRef>
+          <a:fontRef idx="minor">
+            <a:schemeClr val="lt1"/>
+          </a:fontRef>
+        </p:style>
+        <p:txBody>
+          <a:bodyPr rtlCol="0" anchor="ctr"/>
+          <a:lstStyle/>
+          <a:p>
+            <a:pPr algn="ctr"/>
+            <a:r>
+              <a:rPr lang="en-US" dirty="0" smtClean="0"/>
+              <a:t>Mobile</a:t>
+            </a:r>
+            <a:endParaRPr lang="en-US" dirty="0"/>
+          </a:p>
+        </p:txBody>
+      </p:sp>
+    </p:spTree>
+    <p:extLst>
+      <p:ext uri="{BB962C8B-B14F-4D97-AF65-F5344CB8AC3E}">
+        <p14:creationId xmlns:p14="http://schemas.microsoft.com/office/powerpoint/2010/main" val="2854366676"/>
+      </p:ext>
+    </p:extLst>
+  </p:cSld>
+  <p:clrMapOvr>
+    <a:masterClrMapping/>
+  </p:clrMapOvr>
+  <p:timing>
+    <p:tnLst>
+      <p:par>
+        <p:cTn id="1" dur="indefinite" restart="never" nodeType="tmRoot"/>
+      </p:par>
+    </p:tnLst>
+  </p:timing>
+</p:sld>
+</file>
+
+<file path=ppt/slides/slide4.xml><?xml version="1.0" encoding="utf-8"?>
+<p:sld xmlns:a="http://schemas.openxmlformats.org/drawingml/2006/main" xmlns:r="http://schemas.openxmlformats.org/officeDocument/2006/relationships" xmlns:p="http://schemas.openxmlformats.org/presentationml/2006/main">
+  <p:cSld>
+    <p:spTree>
+      <p:nvGrpSpPr>
+        <p:cNvPr id="1" name=""/>
+        <p:cNvGrpSpPr/>
+        <p:nvPr/>
+      </p:nvGrpSpPr>
+      <p:grpSpPr>
+        <a:xfrm>
+          <a:off x="0" y="0"/>
+          <a:ext cx="0" cy="0"/>
+          <a:chOff x="0" y="0"/>
+          <a:chExt cx="0" cy="0"/>
+        </a:xfrm>
+      </p:grpSpPr>
+      <p:sp>
+        <p:nvSpPr>
+          <p:cNvPr id="3" name="Rectangle 2"/>
+          <p:cNvSpPr/>
+          <p:nvPr/>
+        </p:nvSpPr>
+        <p:spPr>
+          <a:xfrm>
+            <a:off x="4408415" y="3187818"/>
+            <a:ext cx="1803633" cy="805343"/>
+          </a:xfrm>
+          <a:prstGeom prst="rect">
+            <a:avLst/>
+          </a:prstGeom>
+        </p:spPr>
+        <p:style>
+          <a:lnRef idx="2">
+            <a:schemeClr val="accent1">
+              <a:shade val="50000"/>
+            </a:schemeClr>
+          </a:lnRef>
+          <a:fillRef idx="1">
+            <a:schemeClr val="accent1"/>
+          </a:fillRef>
+          <a:effectRef idx="0">
+            <a:schemeClr val="accent1"/>
+          </a:effectRef>
+          <a:fontRef idx="minor">
+            <a:schemeClr val="lt1"/>
+          </a:fontRef>
+        </p:style>
+        <p:txBody>
+          <a:bodyPr rtlCol="0" anchor="ctr"/>
+          <a:lstStyle/>
+          <a:p>
+            <a:pPr algn="ctr"/>
+            <a:r>
+              <a:rPr lang="en-US" dirty="0" smtClean="0"/>
+              <a:t>Samsung</a:t>
+            </a:r>
+            <a:endParaRPr lang="en-US" dirty="0"/>
+          </a:p>
+        </p:txBody>
+      </p:sp>
+      <p:sp>
+        <p:nvSpPr>
+          <p:cNvPr id="5" name="Rectangle 4"/>
+          <p:cNvSpPr/>
+          <p:nvPr/>
+        </p:nvSpPr>
+        <p:spPr>
+          <a:xfrm>
+            <a:off x="6903718" y="3187817"/>
+            <a:ext cx="1803633" cy="805343"/>
+          </a:xfrm>
+          <a:prstGeom prst="rect">
+            <a:avLst/>
+          </a:prstGeom>
+        </p:spPr>
+        <p:style>
+          <a:lnRef idx="2">
+            <a:schemeClr val="accent1">
+              <a:shade val="50000"/>
+            </a:schemeClr>
+          </a:lnRef>
+          <a:fillRef idx="1">
+            <a:schemeClr val="accent1"/>
+          </a:fillRef>
+          <a:effectRef idx="0">
+            <a:schemeClr val="accent1"/>
+          </a:effectRef>
+          <a:fontRef idx="minor">
+            <a:schemeClr val="lt1"/>
+          </a:fontRef>
+        </p:style>
+        <p:txBody>
+          <a:bodyPr rtlCol="0" anchor="ctr"/>
+          <a:lstStyle/>
+          <a:p>
+            <a:pPr algn="ctr"/>
+            <a:r>
+              <a:rPr lang="en-US" dirty="0" smtClean="0"/>
+              <a:t>Nokia</a:t>
+            </a:r>
+            <a:endParaRPr lang="en-US" dirty="0"/>
+          </a:p>
+        </p:txBody>
+      </p:sp>
+      <p:sp>
+        <p:nvSpPr>
+          <p:cNvPr id="7" name="Rectangle 6"/>
+          <p:cNvSpPr/>
+          <p:nvPr/>
+        </p:nvSpPr>
+        <p:spPr>
+          <a:xfrm>
+            <a:off x="5524149" y="1224793"/>
+            <a:ext cx="1803633" cy="805343"/>
+          </a:xfrm>
+          <a:prstGeom prst="rect">
+            <a:avLst/>
+          </a:prstGeom>
+        </p:spPr>
+        <p:style>
+          <a:lnRef idx="2">
+            <a:schemeClr val="accent1">
+              <a:shade val="50000"/>
+            </a:schemeClr>
+          </a:lnRef>
+          <a:fillRef idx="1">
+            <a:schemeClr val="accent1"/>
+          </a:fillRef>
+          <a:effectRef idx="0">
+            <a:schemeClr val="accent1"/>
+          </a:effectRef>
+          <a:fontRef idx="minor">
+            <a:schemeClr val="lt1"/>
+          </a:fontRef>
+        </p:style>
+        <p:txBody>
+          <a:bodyPr rtlCol="0" anchor="ctr"/>
+          <a:lstStyle/>
+          <a:p>
+            <a:pPr algn="ctr"/>
+            <a:r>
+              <a:rPr lang="en-US" dirty="0" smtClean="0"/>
+              <a:t>Mobile</a:t>
+            </a:r>
+            <a:endParaRPr lang="en-US" dirty="0"/>
+          </a:p>
+        </p:txBody>
+      </p:sp>
+      <p:cxnSp>
+        <p:nvCxnSpPr>
+          <p:cNvPr id="12" name="Elbow Connector 11"/>
+          <p:cNvCxnSpPr/>
+          <p:nvPr/>
+        </p:nvCxnSpPr>
+        <p:spPr>
+          <a:xfrm rot="5400000" flipH="1" flipV="1">
+            <a:off x="5054368" y="2286000"/>
+            <a:ext cx="1157681" cy="645952"/>
+          </a:xfrm>
+          <a:prstGeom prst="bentConnector3">
+            <a:avLst/>
+          </a:prstGeom>
+          <a:ln>
+            <a:tailEnd type="arrow"/>
+          </a:ln>
+        </p:spPr>
+        <p:style>
+          <a:lnRef idx="1">
+            <a:schemeClr val="accent1"/>
+          </a:lnRef>
+          <a:fillRef idx="0">
+            <a:schemeClr val="accent1"/>
+          </a:fillRef>
+          <a:effectRef idx="0">
+            <a:schemeClr val="accent1"/>
+          </a:effectRef>
+          <a:fontRef idx="minor">
+            <a:schemeClr val="tx1"/>
+          </a:fontRef>
+        </p:style>
+      </p:cxnSp>
+      <p:cxnSp>
+        <p:nvCxnSpPr>
+          <p:cNvPr id="14" name="Elbow Connector 13"/>
+          <p:cNvCxnSpPr/>
+          <p:nvPr/>
+        </p:nvCxnSpPr>
+        <p:spPr>
+          <a:xfrm rot="16200000" flipV="1">
+            <a:off x="6488884" y="2277612"/>
+            <a:ext cx="1157682" cy="662730"/>
+          </a:xfrm>
+          <a:prstGeom prst="bentConnector3">
+            <a:avLst/>
+          </a:prstGeom>
+          <a:ln>
+            <a:tailEnd type="arrow"/>
+          </a:ln>
+        </p:spPr>
+        <p:style>
+          <a:lnRef idx="1">
+            <a:schemeClr val="accent1"/>
+          </a:lnRef>
+          <a:fillRef idx="0">
+            <a:schemeClr val="accent1"/>
+          </a:fillRef>
+          <a:effectRef idx="0">
+            <a:schemeClr val="accent1"/>
+          </a:effectRef>
+          <a:fontRef idx="minor">
+            <a:schemeClr val="tx1"/>
+          </a:fontRef>
+        </p:style>
+      </p:cxnSp>
+    </p:spTree>
+    <p:extLst>
+      <p:ext uri="{BB962C8B-B14F-4D97-AF65-F5344CB8AC3E}">
+        <p14:creationId xmlns:p14="http://schemas.microsoft.com/office/powerpoint/2010/main" val="4161000483"/>
+      </p:ext>
+    </p:extLst>
+  </p:cSld>
+  <p:clrMapOvr>
+    <a:masterClrMapping/>
+  </p:clrMapOvr>
+  <p:timing>
+    <p:tnLst>
+      <p:par>
+        <p:cTn id="1" dur="indefinite" restart="never" nodeType="tmRoot"/>
+      </p:par>
+    </p:tnLst>
+  </p:timing>
 </p:sld>
 </file>
 
@@ -3499,7 +4158,7 @@
   <a:extraClrSchemeLst/>
   <a:extLst>
     <a:ext uri="{05A4C25C-085E-4340-85A3-A5531E510DB2}">
-      <thm15:themeFamily xmlns:thm15="http://schemas.microsoft.com/office/thememl/2012/main" name="Office Theme" id="{62F939B6-93AF-4DB8-9C6B-D6C7DFDC589F}" vid="{4A3C46E8-61CC-4603-A589-7422A47A8E4A}"/>
+      <thm15:themeFamily xmlns:thm15="http://schemas.microsoft.com/office/thememl/2012/main" xmlns="" name="Office Theme" id="{62F939B6-93AF-4DB8-9C6B-D6C7DFDC589F}" vid="{4A3C46E8-61CC-4603-A589-7422A47A8E4A}"/>
     </a:ext>
   </a:extLst>
 </a:theme>

--- a/src/ObjectOrientedProgramming/OOP_Images.pptx
+++ b/src/ObjectOrientedProgramming/OOP_Images.pptx
@@ -9,6 +9,9 @@
     <p:sldId id="258" r:id="rId3"/>
     <p:sldId id="259" r:id="rId4"/>
     <p:sldId id="261" r:id="rId5"/>
+    <p:sldId id="262" r:id="rId6"/>
+    <p:sldId id="263" r:id="rId7"/>
+    <p:sldId id="264" r:id="rId8"/>
   </p:sldIdLst>
   <p:sldSz cx="12192000" cy="6858000"/>
   <p:notesSz cx="6858000" cy="9144000"/>
@@ -3903,6 +3906,712 @@
 </p:sld>
 </file>
 
+<file path=ppt/slides/slide5.xml><?xml version="1.0" encoding="utf-8"?>
+<p:sld xmlns:a="http://schemas.openxmlformats.org/drawingml/2006/main" xmlns:r="http://schemas.openxmlformats.org/officeDocument/2006/relationships" xmlns:p="http://schemas.openxmlformats.org/presentationml/2006/main">
+  <p:cSld>
+    <p:spTree>
+      <p:nvGrpSpPr>
+        <p:cNvPr id="1" name=""/>
+        <p:cNvGrpSpPr/>
+        <p:nvPr/>
+      </p:nvGrpSpPr>
+      <p:grpSpPr>
+        <a:xfrm>
+          <a:off x="0" y="0"/>
+          <a:ext cx="0" cy="0"/>
+          <a:chOff x="0" y="0"/>
+          <a:chExt cx="0" cy="0"/>
+        </a:xfrm>
+      </p:grpSpPr>
+      <p:sp>
+        <p:nvSpPr>
+          <p:cNvPr id="2" name="Rectangle 1"/>
+          <p:cNvSpPr/>
+          <p:nvPr/>
+        </p:nvSpPr>
+        <p:spPr>
+          <a:xfrm>
+            <a:off x="4408415" y="3187818"/>
+            <a:ext cx="1803633" cy="805343"/>
+          </a:xfrm>
+          <a:prstGeom prst="rect">
+            <a:avLst/>
+          </a:prstGeom>
+        </p:spPr>
+        <p:style>
+          <a:lnRef idx="2">
+            <a:schemeClr val="accent1">
+              <a:shade val="50000"/>
+            </a:schemeClr>
+          </a:lnRef>
+          <a:fillRef idx="1">
+            <a:schemeClr val="accent1"/>
+          </a:fillRef>
+          <a:effectRef idx="0">
+            <a:schemeClr val="accent1"/>
+          </a:effectRef>
+          <a:fontRef idx="minor">
+            <a:schemeClr val="lt1"/>
+          </a:fontRef>
+        </p:style>
+        <p:txBody>
+          <a:bodyPr rtlCol="0" anchor="ctr"/>
+          <a:lstStyle/>
+          <a:p>
+            <a:pPr algn="ctr"/>
+            <a:r>
+              <a:rPr lang="en-US" dirty="0" smtClean="0"/>
+              <a:t>Samsung</a:t>
+            </a:r>
+            <a:endParaRPr lang="en-US" dirty="0"/>
+          </a:p>
+        </p:txBody>
+      </p:sp>
+      <p:sp>
+        <p:nvSpPr>
+          <p:cNvPr id="3" name="Rectangle 2"/>
+          <p:cNvSpPr/>
+          <p:nvPr/>
+        </p:nvSpPr>
+        <p:spPr>
+          <a:xfrm>
+            <a:off x="6903718" y="3187817"/>
+            <a:ext cx="1803633" cy="805343"/>
+          </a:xfrm>
+          <a:prstGeom prst="rect">
+            <a:avLst/>
+          </a:prstGeom>
+        </p:spPr>
+        <p:style>
+          <a:lnRef idx="2">
+            <a:schemeClr val="accent1">
+              <a:shade val="50000"/>
+            </a:schemeClr>
+          </a:lnRef>
+          <a:fillRef idx="1">
+            <a:schemeClr val="accent1"/>
+          </a:fillRef>
+          <a:effectRef idx="0">
+            <a:schemeClr val="accent1"/>
+          </a:effectRef>
+          <a:fontRef idx="minor">
+            <a:schemeClr val="lt1"/>
+          </a:fontRef>
+        </p:style>
+        <p:txBody>
+          <a:bodyPr rtlCol="0" anchor="ctr"/>
+          <a:lstStyle/>
+          <a:p>
+            <a:pPr algn="ctr"/>
+            <a:r>
+              <a:rPr lang="en-US" dirty="0" smtClean="0"/>
+              <a:t>Nokia</a:t>
+            </a:r>
+            <a:endParaRPr lang="en-US" dirty="0"/>
+          </a:p>
+        </p:txBody>
+      </p:sp>
+      <p:sp>
+        <p:nvSpPr>
+          <p:cNvPr id="4" name="Rectangle 3"/>
+          <p:cNvSpPr/>
+          <p:nvPr/>
+        </p:nvSpPr>
+        <p:spPr>
+          <a:xfrm>
+            <a:off x="5524149" y="1224793"/>
+            <a:ext cx="1803633" cy="805343"/>
+          </a:xfrm>
+          <a:prstGeom prst="rect">
+            <a:avLst/>
+          </a:prstGeom>
+        </p:spPr>
+        <p:style>
+          <a:lnRef idx="2">
+            <a:schemeClr val="accent1">
+              <a:shade val="50000"/>
+            </a:schemeClr>
+          </a:lnRef>
+          <a:fillRef idx="1">
+            <a:schemeClr val="accent1"/>
+          </a:fillRef>
+          <a:effectRef idx="0">
+            <a:schemeClr val="accent1"/>
+          </a:effectRef>
+          <a:fontRef idx="minor">
+            <a:schemeClr val="lt1"/>
+          </a:fontRef>
+        </p:style>
+        <p:txBody>
+          <a:bodyPr rtlCol="0" anchor="ctr"/>
+          <a:lstStyle/>
+          <a:p>
+            <a:pPr algn="ctr"/>
+            <a:r>
+              <a:rPr lang="en-US" dirty="0" smtClean="0"/>
+              <a:t>Mobile</a:t>
+            </a:r>
+            <a:endParaRPr lang="en-US" dirty="0"/>
+          </a:p>
+        </p:txBody>
+      </p:sp>
+      <p:cxnSp>
+        <p:nvCxnSpPr>
+          <p:cNvPr id="5" name="Elbow Connector 4"/>
+          <p:cNvCxnSpPr/>
+          <p:nvPr/>
+        </p:nvCxnSpPr>
+        <p:spPr>
+          <a:xfrm rot="5400000" flipH="1" flipV="1">
+            <a:off x="5054368" y="2286000"/>
+            <a:ext cx="1157681" cy="645952"/>
+          </a:xfrm>
+          <a:prstGeom prst="bentConnector3">
+            <a:avLst/>
+          </a:prstGeom>
+          <a:ln>
+            <a:tailEnd type="arrow"/>
+          </a:ln>
+        </p:spPr>
+        <p:style>
+          <a:lnRef idx="1">
+            <a:schemeClr val="accent1"/>
+          </a:lnRef>
+          <a:fillRef idx="0">
+            <a:schemeClr val="accent1"/>
+          </a:fillRef>
+          <a:effectRef idx="0">
+            <a:schemeClr val="accent1"/>
+          </a:effectRef>
+          <a:fontRef idx="minor">
+            <a:schemeClr val="tx1"/>
+          </a:fontRef>
+        </p:style>
+      </p:cxnSp>
+      <p:cxnSp>
+        <p:nvCxnSpPr>
+          <p:cNvPr id="6" name="Elbow Connector 5"/>
+          <p:cNvCxnSpPr/>
+          <p:nvPr/>
+        </p:nvCxnSpPr>
+        <p:spPr>
+          <a:xfrm rot="16200000" flipV="1">
+            <a:off x="6488884" y="2277612"/>
+            <a:ext cx="1157682" cy="662730"/>
+          </a:xfrm>
+          <a:prstGeom prst="bentConnector3">
+            <a:avLst/>
+          </a:prstGeom>
+          <a:ln>
+            <a:tailEnd type="arrow"/>
+          </a:ln>
+        </p:spPr>
+        <p:style>
+          <a:lnRef idx="1">
+            <a:schemeClr val="accent1"/>
+          </a:lnRef>
+          <a:fillRef idx="0">
+            <a:schemeClr val="accent1"/>
+          </a:fillRef>
+          <a:effectRef idx="0">
+            <a:schemeClr val="accent1"/>
+          </a:effectRef>
+          <a:fontRef idx="minor">
+            <a:schemeClr val="tx1"/>
+          </a:fontRef>
+        </p:style>
+      </p:cxnSp>
+      <p:sp>
+        <p:nvSpPr>
+          <p:cNvPr id="7" name="Rectangle 6"/>
+          <p:cNvSpPr/>
+          <p:nvPr/>
+        </p:nvSpPr>
+        <p:spPr>
+          <a:xfrm>
+            <a:off x="4408414" y="4632123"/>
+            <a:ext cx="1803633" cy="805343"/>
+          </a:xfrm>
+          <a:prstGeom prst="rect">
+            <a:avLst/>
+          </a:prstGeom>
+        </p:spPr>
+        <p:style>
+          <a:lnRef idx="2">
+            <a:schemeClr val="accent1">
+              <a:shade val="50000"/>
+            </a:schemeClr>
+          </a:lnRef>
+          <a:fillRef idx="1">
+            <a:schemeClr val="accent1"/>
+          </a:fillRef>
+          <a:effectRef idx="0">
+            <a:schemeClr val="accent1"/>
+          </a:effectRef>
+          <a:fontRef idx="minor">
+            <a:schemeClr val="lt1"/>
+          </a:fontRef>
+        </p:style>
+        <p:txBody>
+          <a:bodyPr rtlCol="0" anchor="ctr"/>
+          <a:lstStyle/>
+          <a:p>
+            <a:pPr algn="ctr"/>
+            <a:r>
+              <a:rPr lang="en-US" dirty="0" smtClean="0"/>
+              <a:t>SamsungS</a:t>
+            </a:r>
+            <a:r>
+              <a:rPr lang="en-US" dirty="0"/>
+              <a:t>5</a:t>
+            </a:r>
+          </a:p>
+        </p:txBody>
+      </p:sp>
+      <p:sp>
+        <p:nvSpPr>
+          <p:cNvPr id="8" name="Rectangle 7"/>
+          <p:cNvSpPr/>
+          <p:nvPr/>
+        </p:nvSpPr>
+        <p:spPr>
+          <a:xfrm>
+            <a:off x="7056117" y="4632122"/>
+            <a:ext cx="1803633" cy="805343"/>
+          </a:xfrm>
+          <a:prstGeom prst="rect">
+            <a:avLst/>
+          </a:prstGeom>
+        </p:spPr>
+        <p:style>
+          <a:lnRef idx="2">
+            <a:schemeClr val="accent1">
+              <a:shade val="50000"/>
+            </a:schemeClr>
+          </a:lnRef>
+          <a:fillRef idx="1">
+            <a:schemeClr val="accent1"/>
+          </a:fillRef>
+          <a:effectRef idx="0">
+            <a:schemeClr val="accent1"/>
+          </a:effectRef>
+          <a:fontRef idx="minor">
+            <a:schemeClr val="lt1"/>
+          </a:fontRef>
+        </p:style>
+        <p:txBody>
+          <a:bodyPr rtlCol="0" anchor="ctr"/>
+          <a:lstStyle/>
+          <a:p>
+            <a:pPr algn="ctr"/>
+            <a:r>
+              <a:rPr lang="en-US" dirty="0" smtClean="0"/>
+              <a:t>NokiaLumina625</a:t>
+            </a:r>
+            <a:endParaRPr lang="en-US" dirty="0"/>
+          </a:p>
+        </p:txBody>
+      </p:sp>
+      <p:cxnSp>
+        <p:nvCxnSpPr>
+          <p:cNvPr id="10" name="Straight Arrow Connector 9"/>
+          <p:cNvCxnSpPr/>
+          <p:nvPr/>
+        </p:nvCxnSpPr>
+        <p:spPr>
+          <a:xfrm flipV="1">
+            <a:off x="5436066" y="3993161"/>
+            <a:ext cx="0" cy="638961"/>
+          </a:xfrm>
+          <a:prstGeom prst="straightConnector1">
+            <a:avLst/>
+          </a:prstGeom>
+          <a:ln>
+            <a:tailEnd type="arrow"/>
+          </a:ln>
+        </p:spPr>
+        <p:style>
+          <a:lnRef idx="1">
+            <a:schemeClr val="accent1"/>
+          </a:lnRef>
+          <a:fillRef idx="0">
+            <a:schemeClr val="accent1"/>
+          </a:fillRef>
+          <a:effectRef idx="0">
+            <a:schemeClr val="accent1"/>
+          </a:effectRef>
+          <a:fontRef idx="minor">
+            <a:schemeClr val="tx1"/>
+          </a:fontRef>
+        </p:style>
+      </p:cxnSp>
+      <p:cxnSp>
+        <p:nvCxnSpPr>
+          <p:cNvPr id="12" name="Straight Arrow Connector 11"/>
+          <p:cNvCxnSpPr>
+            <a:stCxn id="8" idx="0"/>
+          </p:cNvCxnSpPr>
+          <p:nvPr/>
+        </p:nvCxnSpPr>
+        <p:spPr>
+          <a:xfrm flipH="1" flipV="1">
+            <a:off x="7957933" y="3993160"/>
+            <a:ext cx="1" cy="638962"/>
+          </a:xfrm>
+          <a:prstGeom prst="straightConnector1">
+            <a:avLst/>
+          </a:prstGeom>
+          <a:ln>
+            <a:tailEnd type="arrow"/>
+          </a:ln>
+        </p:spPr>
+        <p:style>
+          <a:lnRef idx="1">
+            <a:schemeClr val="accent1"/>
+          </a:lnRef>
+          <a:fillRef idx="0">
+            <a:schemeClr val="accent1"/>
+          </a:fillRef>
+          <a:effectRef idx="0">
+            <a:schemeClr val="accent1"/>
+          </a:effectRef>
+          <a:fontRef idx="minor">
+            <a:schemeClr val="tx1"/>
+          </a:fontRef>
+        </p:style>
+      </p:cxnSp>
+    </p:spTree>
+    <p:extLst>
+      <p:ext uri="{BB962C8B-B14F-4D97-AF65-F5344CB8AC3E}">
+        <p14:creationId xmlns:p14="http://schemas.microsoft.com/office/powerpoint/2010/main" val="2551647950"/>
+      </p:ext>
+    </p:extLst>
+  </p:cSld>
+  <p:clrMapOvr>
+    <a:masterClrMapping/>
+  </p:clrMapOvr>
+  <p:timing>
+    <p:tnLst>
+      <p:par>
+        <p:cTn id="1" dur="indefinite" restart="never" nodeType="tmRoot"/>
+      </p:par>
+    </p:tnLst>
+  </p:timing>
+</p:sld>
+</file>
+
+<file path=ppt/slides/slide6.xml><?xml version="1.0" encoding="utf-8"?>
+<p:sld xmlns:a="http://schemas.openxmlformats.org/drawingml/2006/main" xmlns:r="http://schemas.openxmlformats.org/officeDocument/2006/relationships" xmlns:p="http://schemas.openxmlformats.org/presentationml/2006/main">
+  <p:cSld>
+    <p:spTree>
+      <p:nvGrpSpPr>
+        <p:cNvPr id="1" name=""/>
+        <p:cNvGrpSpPr/>
+        <p:nvPr/>
+      </p:nvGrpSpPr>
+      <p:grpSpPr>
+        <a:xfrm>
+          <a:off x="0" y="0"/>
+          <a:ext cx="0" cy="0"/>
+          <a:chOff x="0" y="0"/>
+          <a:chExt cx="0" cy="0"/>
+        </a:xfrm>
+      </p:grpSpPr>
+    </p:spTree>
+    <p:extLst>
+      <p:ext uri="{BB962C8B-B14F-4D97-AF65-F5344CB8AC3E}">
+        <p14:creationId xmlns:p14="http://schemas.microsoft.com/office/powerpoint/2010/main" val="3343562036"/>
+      </p:ext>
+    </p:extLst>
+  </p:cSld>
+  <p:clrMapOvr>
+    <a:masterClrMapping/>
+  </p:clrMapOvr>
+  <p:timing>
+    <p:tnLst>
+      <p:par>
+        <p:cTn id="1" dur="indefinite" restart="never" nodeType="tmRoot"/>
+      </p:par>
+    </p:tnLst>
+  </p:timing>
+</p:sld>
+</file>
+
+<file path=ppt/slides/slide7.xml><?xml version="1.0" encoding="utf-8"?>
+<p:sld xmlns:a="http://schemas.openxmlformats.org/drawingml/2006/main" xmlns:r="http://schemas.openxmlformats.org/officeDocument/2006/relationships" xmlns:p="http://schemas.openxmlformats.org/presentationml/2006/main">
+  <p:cSld>
+    <p:spTree>
+      <p:nvGrpSpPr>
+        <p:cNvPr id="1" name=""/>
+        <p:cNvGrpSpPr/>
+        <p:nvPr/>
+      </p:nvGrpSpPr>
+      <p:grpSpPr>
+        <a:xfrm>
+          <a:off x="0" y="0"/>
+          <a:ext cx="0" cy="0"/>
+          <a:chOff x="0" y="0"/>
+          <a:chExt cx="0" cy="0"/>
+        </a:xfrm>
+      </p:grpSpPr>
+      <p:sp>
+        <p:nvSpPr>
+          <p:cNvPr id="3" name="Rectangle 2"/>
+          <p:cNvSpPr/>
+          <p:nvPr/>
+        </p:nvSpPr>
+        <p:spPr>
+          <a:xfrm>
+            <a:off x="5524151" y="3179431"/>
+            <a:ext cx="1803633" cy="805343"/>
+          </a:xfrm>
+          <a:prstGeom prst="rect">
+            <a:avLst/>
+          </a:prstGeom>
+        </p:spPr>
+        <p:style>
+          <a:lnRef idx="2">
+            <a:schemeClr val="accent1">
+              <a:shade val="50000"/>
+            </a:schemeClr>
+          </a:lnRef>
+          <a:fillRef idx="1">
+            <a:schemeClr val="accent1"/>
+          </a:fillRef>
+          <a:effectRef idx="0">
+            <a:schemeClr val="accent1"/>
+          </a:effectRef>
+          <a:fontRef idx="minor">
+            <a:schemeClr val="lt1"/>
+          </a:fontRef>
+        </p:style>
+        <p:txBody>
+          <a:bodyPr rtlCol="0" anchor="ctr"/>
+          <a:lstStyle/>
+          <a:p>
+            <a:pPr algn="ctr"/>
+            <a:r>
+              <a:rPr lang="en-US" dirty="0" smtClean="0"/>
+              <a:t>Samsung</a:t>
+            </a:r>
+            <a:endParaRPr lang="en-US" dirty="0"/>
+          </a:p>
+        </p:txBody>
+      </p:sp>
+      <p:sp>
+        <p:nvSpPr>
+          <p:cNvPr id="5" name="Rectangle 4"/>
+          <p:cNvSpPr/>
+          <p:nvPr/>
+        </p:nvSpPr>
+        <p:spPr>
+          <a:xfrm>
+            <a:off x="6559770" y="1317071"/>
+            <a:ext cx="1803633" cy="805343"/>
+          </a:xfrm>
+          <a:prstGeom prst="rect">
+            <a:avLst/>
+          </a:prstGeom>
+        </p:spPr>
+        <p:style>
+          <a:lnRef idx="2">
+            <a:schemeClr val="accent1">
+              <a:shade val="50000"/>
+            </a:schemeClr>
+          </a:lnRef>
+          <a:fillRef idx="1">
+            <a:schemeClr val="accent1"/>
+          </a:fillRef>
+          <a:effectRef idx="0">
+            <a:schemeClr val="accent1"/>
+          </a:effectRef>
+          <a:fontRef idx="minor">
+            <a:schemeClr val="lt1"/>
+          </a:fontRef>
+        </p:style>
+        <p:txBody>
+          <a:bodyPr rtlCol="0" anchor="ctr"/>
+          <a:lstStyle/>
+          <a:p>
+            <a:pPr algn="ctr"/>
+            <a:r>
+              <a:rPr lang="en-US" dirty="0" smtClean="0"/>
+              <a:t>Telephone</a:t>
+            </a:r>
+            <a:endParaRPr lang="en-US" dirty="0"/>
+          </a:p>
+        </p:txBody>
+      </p:sp>
+      <p:sp>
+        <p:nvSpPr>
+          <p:cNvPr id="7" name="Rectangle 6"/>
+          <p:cNvSpPr/>
+          <p:nvPr/>
+        </p:nvSpPr>
+        <p:spPr>
+          <a:xfrm>
+            <a:off x="4408414" y="1317072"/>
+            <a:ext cx="1803633" cy="805343"/>
+          </a:xfrm>
+          <a:prstGeom prst="rect">
+            <a:avLst/>
+          </a:prstGeom>
+        </p:spPr>
+        <p:style>
+          <a:lnRef idx="2">
+            <a:schemeClr val="accent1">
+              <a:shade val="50000"/>
+            </a:schemeClr>
+          </a:lnRef>
+          <a:fillRef idx="1">
+            <a:schemeClr val="accent1"/>
+          </a:fillRef>
+          <a:effectRef idx="0">
+            <a:schemeClr val="accent1"/>
+          </a:effectRef>
+          <a:fontRef idx="minor">
+            <a:schemeClr val="lt1"/>
+          </a:fontRef>
+        </p:style>
+        <p:txBody>
+          <a:bodyPr rtlCol="0" anchor="ctr"/>
+          <a:lstStyle/>
+          <a:p>
+            <a:pPr algn="ctr"/>
+            <a:r>
+              <a:rPr lang="en-US" dirty="0" smtClean="0"/>
+              <a:t>Mobile</a:t>
+            </a:r>
+            <a:endParaRPr lang="en-US" dirty="0"/>
+          </a:p>
+        </p:txBody>
+      </p:sp>
+      <p:cxnSp>
+        <p:nvCxnSpPr>
+          <p:cNvPr id="4" name="Elbow Connector 3"/>
+          <p:cNvCxnSpPr>
+            <a:endCxn id="7" idx="2"/>
+          </p:cNvCxnSpPr>
+          <p:nvPr/>
+        </p:nvCxnSpPr>
+        <p:spPr>
+          <a:xfrm rot="16200000" flipV="1">
+            <a:off x="5117284" y="2315363"/>
+            <a:ext cx="1065403" cy="679508"/>
+          </a:xfrm>
+          <a:prstGeom prst="bentConnector3">
+            <a:avLst/>
+          </a:prstGeom>
+          <a:ln>
+            <a:tailEnd type="arrow"/>
+          </a:ln>
+        </p:spPr>
+        <p:style>
+          <a:lnRef idx="1">
+            <a:schemeClr val="accent1"/>
+          </a:lnRef>
+          <a:fillRef idx="0">
+            <a:schemeClr val="accent1"/>
+          </a:fillRef>
+          <a:effectRef idx="0">
+            <a:schemeClr val="accent1"/>
+          </a:effectRef>
+          <a:fontRef idx="minor">
+            <a:schemeClr val="tx1"/>
+          </a:fontRef>
+        </p:style>
+      </p:cxnSp>
+      <p:cxnSp>
+        <p:nvCxnSpPr>
+          <p:cNvPr id="8" name="Elbow Connector 7"/>
+          <p:cNvCxnSpPr/>
+          <p:nvPr/>
+        </p:nvCxnSpPr>
+        <p:spPr>
+          <a:xfrm rot="5400000" flipH="1" flipV="1">
+            <a:off x="6484689" y="2416031"/>
+            <a:ext cx="1065404" cy="478172"/>
+          </a:xfrm>
+          <a:prstGeom prst="bentConnector3">
+            <a:avLst/>
+          </a:prstGeom>
+          <a:ln>
+            <a:tailEnd type="arrow"/>
+          </a:ln>
+        </p:spPr>
+        <p:style>
+          <a:lnRef idx="1">
+            <a:schemeClr val="accent1"/>
+          </a:lnRef>
+          <a:fillRef idx="0">
+            <a:schemeClr val="accent1"/>
+          </a:fillRef>
+          <a:effectRef idx="0">
+            <a:schemeClr val="accent1"/>
+          </a:effectRef>
+          <a:fontRef idx="minor">
+            <a:schemeClr val="tx1"/>
+          </a:fontRef>
+        </p:style>
+      </p:cxnSp>
+      <p:sp>
+        <p:nvSpPr>
+          <p:cNvPr id="9" name="TextBox 8"/>
+          <p:cNvSpPr txBox="1"/>
+          <p:nvPr/>
+        </p:nvSpPr>
+        <p:spPr>
+          <a:xfrm>
+            <a:off x="2516697" y="4723002"/>
+            <a:ext cx="7885652" cy="646331"/>
+          </a:xfrm>
+          <a:prstGeom prst="rect">
+            <a:avLst/>
+          </a:prstGeom>
+          <a:noFill/>
+        </p:spPr>
+        <p:txBody>
+          <a:bodyPr wrap="square" rtlCol="0">
+            <a:spAutoFit/>
+          </a:bodyPr>
+          <a:lstStyle/>
+          <a:p>
+            <a:r>
+              <a:rPr lang="en-US" dirty="0" smtClean="0"/>
+              <a:t>Note – In  C# , it is not possible to inherit from </a:t>
+            </a:r>
+            <a:r>
+              <a:rPr lang="en-US" dirty="0" err="1" smtClean="0"/>
+              <a:t>mulitple</a:t>
+            </a:r>
+            <a:r>
+              <a:rPr lang="en-US" dirty="0" smtClean="0"/>
+              <a:t> classes and achieved through interfaces</a:t>
+            </a:r>
+            <a:endParaRPr lang="en-US" dirty="0"/>
+          </a:p>
+        </p:txBody>
+      </p:sp>
+    </p:spTree>
+    <p:extLst>
+      <p:ext uri="{BB962C8B-B14F-4D97-AF65-F5344CB8AC3E}">
+        <p14:creationId xmlns:p14="http://schemas.microsoft.com/office/powerpoint/2010/main" val="1437268156"/>
+      </p:ext>
+    </p:extLst>
+  </p:cSld>
+  <p:clrMapOvr>
+    <a:masterClrMapping/>
+  </p:clrMapOvr>
+  <p:timing>
+    <p:tnLst>
+      <p:par>
+        <p:cTn id="1" dur="indefinite" restart="never" nodeType="tmRoot"/>
+      </p:par>
+    </p:tnLst>
+  </p:timing>
+</p:sld>
+</file>
+
 <file path=ppt/theme/theme1.xml><?xml version="1.0" encoding="utf-8"?>
 <a:theme xmlns:a="http://schemas.openxmlformats.org/drawingml/2006/main" name="Office Theme">
   <a:themeElements>

--- a/src/ObjectOrientedProgramming/OOP_Images.pptx
+++ b/src/ObjectOrientedProgramming/OOP_Images.pptx
@@ -10,8 +10,7 @@
     <p:sldId id="259" r:id="rId4"/>
     <p:sldId id="261" r:id="rId5"/>
     <p:sldId id="262" r:id="rId6"/>
-    <p:sldId id="263" r:id="rId7"/>
-    <p:sldId id="264" r:id="rId8"/>
+    <p:sldId id="264" r:id="rId7"/>
   </p:sldIdLst>
   <p:sldSz cx="12192000" cy="6858000"/>
   <p:notesSz cx="6858000" cy="9144000"/>
@@ -3282,7 +3281,7 @@
         </p:nvSpPr>
         <p:spPr>
           <a:xfrm>
-            <a:off x="3254928" y="3456264"/>
+            <a:off x="4848837" y="3456263"/>
             <a:ext cx="1803633" cy="805343"/>
           </a:xfrm>
           <a:prstGeom prst="rect">
@@ -3320,16 +3319,16 @@
       </p:sp>
       <p:sp>
         <p:nvSpPr>
-          <p:cNvPr id="7" name="Up Arrow 6"/>
+          <p:cNvPr id="8" name="Rectangle 7"/>
           <p:cNvSpPr/>
           <p:nvPr/>
         </p:nvSpPr>
         <p:spPr>
           <a:xfrm>
-            <a:off x="4219662" y="2558642"/>
-            <a:ext cx="67112" cy="897622"/>
-          </a:xfrm>
-          <a:prstGeom prst="upArrow">
+            <a:off x="4848837" y="1753297"/>
+            <a:ext cx="1803633" cy="805343"/>
+          </a:xfrm>
+          <a:prstGeom prst="rect">
             <a:avLst/>
           </a:prstGeom>
         </p:spPr>
@@ -3354,54 +3353,50 @@
           <a:lstStyle/>
           <a:p>
             <a:pPr algn="ctr"/>
-            <a:endParaRPr lang="en-US"/>
-          </a:p>
-        </p:txBody>
-      </p:sp>
-      <p:sp>
-        <p:nvSpPr>
-          <p:cNvPr id="8" name="Rectangle 7"/>
-          <p:cNvSpPr/>
+            <a:r>
+              <a:rPr lang="en-US" dirty="0" smtClean="0"/>
+              <a:t>Mobile</a:t>
+            </a:r>
+            <a:endParaRPr lang="en-US" dirty="0"/>
+          </a:p>
+        </p:txBody>
+      </p:sp>
+      <p:cxnSp>
+        <p:nvCxnSpPr>
+          <p:cNvPr id="10" name="Straight Arrow Connector 9"/>
+          <p:cNvCxnSpPr>
+            <a:stCxn id="3" idx="0"/>
+            <a:endCxn id="8" idx="2"/>
+          </p:cNvCxnSpPr>
           <p:nvPr/>
-        </p:nvSpPr>
-        <p:spPr>
-          <a:xfrm>
-            <a:off x="3254928" y="1753298"/>
-            <a:ext cx="1803633" cy="805343"/>
-          </a:xfrm>
-          <a:prstGeom prst="rect">
+        </p:nvCxnSpPr>
+        <p:spPr>
+          <a:xfrm flipV="1">
+            <a:off x="5750654" y="2558640"/>
+            <a:ext cx="0" cy="897623"/>
+          </a:xfrm>
+          <a:prstGeom prst="straightConnector1">
             <a:avLst/>
           </a:prstGeom>
+          <a:ln>
+            <a:tailEnd type="arrow"/>
+          </a:ln>
         </p:spPr>
         <p:style>
-          <a:lnRef idx="2">
-            <a:schemeClr val="accent1">
-              <a:shade val="50000"/>
-            </a:schemeClr>
+          <a:lnRef idx="1">
+            <a:schemeClr val="accent1"/>
           </a:lnRef>
-          <a:fillRef idx="1">
+          <a:fillRef idx="0">
             <a:schemeClr val="accent1"/>
           </a:fillRef>
           <a:effectRef idx="0">
             <a:schemeClr val="accent1"/>
           </a:effectRef>
           <a:fontRef idx="minor">
-            <a:schemeClr val="lt1"/>
+            <a:schemeClr val="tx1"/>
           </a:fontRef>
         </p:style>
-        <p:txBody>
-          <a:bodyPr rtlCol="0" anchor="ctr"/>
-          <a:lstStyle/>
-          <a:p>
-            <a:pPr algn="ctr"/>
-            <a:r>
-              <a:rPr lang="en-US" dirty="0" smtClean="0"/>
-              <a:t>Mobile</a:t>
-            </a:r>
-            <a:endParaRPr lang="en-US" dirty="0"/>
-          </a:p>
-        </p:txBody>
-      </p:sp>
+      </p:cxnSp>
     </p:spTree>
     <p:extLst>
       <p:ext uri="{BB962C8B-B14F-4D97-AF65-F5344CB8AC3E}">
@@ -3447,7 +3442,7 @@
         </p:nvSpPr>
         <p:spPr>
           <a:xfrm>
-            <a:off x="3384957" y="3456263"/>
+            <a:off x="4735584" y="3238146"/>
             <a:ext cx="1803633" cy="805343"/>
           </a:xfrm>
           <a:prstGeom prst="rect">
@@ -3485,16 +3480,16 @@
       </p:sp>
       <p:sp>
         <p:nvSpPr>
-          <p:cNvPr id="4" name="Up Arrow 3"/>
+          <p:cNvPr id="5" name="Rectangle 4"/>
           <p:cNvSpPr/>
           <p:nvPr/>
         </p:nvSpPr>
         <p:spPr>
           <a:xfrm>
-            <a:off x="4219662" y="2558642"/>
-            <a:ext cx="67112" cy="897622"/>
-          </a:xfrm>
-          <a:prstGeom prst="upArrow">
+            <a:off x="4735584" y="4858623"/>
+            <a:ext cx="1803633" cy="805343"/>
+          </a:xfrm>
+          <a:prstGeom prst="rect">
             <a:avLst/>
           </a:prstGeom>
         </p:spPr>
@@ -3519,19 +3514,23 @@
           <a:lstStyle/>
           <a:p>
             <a:pPr algn="ctr"/>
-            <a:endParaRPr lang="en-US"/>
-          </a:p>
-        </p:txBody>
-      </p:sp>
-      <p:sp>
-        <p:nvSpPr>
-          <p:cNvPr id="5" name="Rectangle 4"/>
+            <a:r>
+              <a:rPr lang="en-US" dirty="0" smtClean="0"/>
+              <a:t>SamsungS5</a:t>
+            </a:r>
+            <a:endParaRPr lang="en-US" dirty="0"/>
+          </a:p>
+        </p:txBody>
+      </p:sp>
+      <p:sp>
+        <p:nvSpPr>
+          <p:cNvPr id="7" name="Rectangle 6"/>
           <p:cNvSpPr/>
           <p:nvPr/>
         </p:nvSpPr>
         <p:spPr>
           <a:xfrm>
-            <a:off x="3455843" y="4858624"/>
+            <a:off x="4735583" y="1526795"/>
             <a:ext cx="1803633" cy="805343"/>
           </a:xfrm>
           <a:prstGeom prst="rect">
@@ -3561,96 +3560,84 @@
             <a:pPr algn="ctr"/>
             <a:r>
               <a:rPr lang="en-US" dirty="0" smtClean="0"/>
-              <a:t>SamsungS5</a:t>
+              <a:t>Mobile</a:t>
             </a:r>
             <a:endParaRPr lang="en-US" dirty="0"/>
           </a:p>
         </p:txBody>
       </p:sp>
-      <p:sp>
-        <p:nvSpPr>
-          <p:cNvPr id="6" name="Up Arrow 5"/>
-          <p:cNvSpPr/>
+      <p:cxnSp>
+        <p:nvCxnSpPr>
+          <p:cNvPr id="9" name="Straight Arrow Connector 8"/>
+          <p:cNvCxnSpPr>
+            <a:stCxn id="5" idx="0"/>
+            <a:endCxn id="3" idx="2"/>
+          </p:cNvCxnSpPr>
           <p:nvPr/>
-        </p:nvSpPr>
-        <p:spPr>
-          <a:xfrm>
-            <a:off x="4186106" y="4261607"/>
-            <a:ext cx="45719" cy="597017"/>
-          </a:xfrm>
-          <a:prstGeom prst="upArrow">
+        </p:nvCxnSpPr>
+        <p:spPr>
+          <a:xfrm flipV="1">
+            <a:off x="5637401" y="4043489"/>
+            <a:ext cx="0" cy="815134"/>
+          </a:xfrm>
+          <a:prstGeom prst="straightConnector1">
             <a:avLst/>
           </a:prstGeom>
+          <a:ln>
+            <a:tailEnd type="arrow"/>
+          </a:ln>
         </p:spPr>
         <p:style>
-          <a:lnRef idx="2">
-            <a:schemeClr val="accent1">
-              <a:shade val="50000"/>
-            </a:schemeClr>
+          <a:lnRef idx="1">
+            <a:schemeClr val="accent1"/>
           </a:lnRef>
-          <a:fillRef idx="1">
+          <a:fillRef idx="0">
             <a:schemeClr val="accent1"/>
           </a:fillRef>
           <a:effectRef idx="0">
             <a:schemeClr val="accent1"/>
           </a:effectRef>
           <a:fontRef idx="minor">
-            <a:schemeClr val="lt1"/>
+            <a:schemeClr val="tx1"/>
           </a:fontRef>
         </p:style>
-        <p:txBody>
-          <a:bodyPr rtlCol="0" anchor="ctr"/>
-          <a:lstStyle/>
-          <a:p>
-            <a:pPr algn="ctr"/>
-            <a:endParaRPr lang="en-US"/>
-          </a:p>
-        </p:txBody>
-      </p:sp>
-      <p:sp>
-        <p:nvSpPr>
-          <p:cNvPr id="7" name="Rectangle 6"/>
-          <p:cNvSpPr/>
+      </p:cxnSp>
+      <p:cxnSp>
+        <p:nvCxnSpPr>
+          <p:cNvPr id="12" name="Straight Arrow Connector 11"/>
+          <p:cNvCxnSpPr>
+            <a:stCxn id="3" idx="0"/>
+            <a:endCxn id="7" idx="2"/>
+          </p:cNvCxnSpPr>
           <p:nvPr/>
-        </p:nvSpPr>
-        <p:spPr>
-          <a:xfrm>
-            <a:off x="3351401" y="1753299"/>
-            <a:ext cx="1803633" cy="805343"/>
-          </a:xfrm>
-          <a:prstGeom prst="rect">
+        </p:nvCxnSpPr>
+        <p:spPr>
+          <a:xfrm flipH="1" flipV="1">
+            <a:off x="5637400" y="2332138"/>
+            <a:ext cx="1" cy="906008"/>
+          </a:xfrm>
+          <a:prstGeom prst="straightConnector1">
             <a:avLst/>
           </a:prstGeom>
+          <a:ln>
+            <a:tailEnd type="arrow"/>
+          </a:ln>
         </p:spPr>
         <p:style>
-          <a:lnRef idx="2">
-            <a:schemeClr val="accent1">
-              <a:shade val="50000"/>
-            </a:schemeClr>
+          <a:lnRef idx="1">
+            <a:schemeClr val="accent1"/>
           </a:lnRef>
-          <a:fillRef idx="1">
+          <a:fillRef idx="0">
             <a:schemeClr val="accent1"/>
           </a:fillRef>
           <a:effectRef idx="0">
             <a:schemeClr val="accent1"/>
           </a:effectRef>
           <a:fontRef idx="minor">
-            <a:schemeClr val="lt1"/>
+            <a:schemeClr val="tx1"/>
           </a:fontRef>
         </p:style>
-        <p:txBody>
-          <a:bodyPr rtlCol="0" anchor="ctr"/>
-          <a:lstStyle/>
-          <a:p>
-            <a:pPr algn="ctr"/>
-            <a:r>
-              <a:rPr lang="en-US" dirty="0" smtClean="0"/>
-              <a:t>Mobile</a:t>
-            </a:r>
-            <a:endParaRPr lang="en-US" dirty="0"/>
-          </a:p>
-        </p:txBody>
-      </p:sp>
+      </p:cxnSp>
     </p:spTree>
     <p:extLst>
       <p:ext uri="{BB962C8B-B14F-4D97-AF65-F5344CB8AC3E}">
@@ -4301,43 +4288,6 @@
 </file>
 
 <file path=ppt/slides/slide6.xml><?xml version="1.0" encoding="utf-8"?>
-<p:sld xmlns:a="http://schemas.openxmlformats.org/drawingml/2006/main" xmlns:r="http://schemas.openxmlformats.org/officeDocument/2006/relationships" xmlns:p="http://schemas.openxmlformats.org/presentationml/2006/main">
-  <p:cSld>
-    <p:spTree>
-      <p:nvGrpSpPr>
-        <p:cNvPr id="1" name=""/>
-        <p:cNvGrpSpPr/>
-        <p:nvPr/>
-      </p:nvGrpSpPr>
-      <p:grpSpPr>
-        <a:xfrm>
-          <a:off x="0" y="0"/>
-          <a:ext cx="0" cy="0"/>
-          <a:chOff x="0" y="0"/>
-          <a:chExt cx="0" cy="0"/>
-        </a:xfrm>
-      </p:grpSpPr>
-    </p:spTree>
-    <p:extLst>
-      <p:ext uri="{BB962C8B-B14F-4D97-AF65-F5344CB8AC3E}">
-        <p14:creationId xmlns:p14="http://schemas.microsoft.com/office/powerpoint/2010/main" val="3343562036"/>
-      </p:ext>
-    </p:extLst>
-  </p:cSld>
-  <p:clrMapOvr>
-    <a:masterClrMapping/>
-  </p:clrMapOvr>
-  <p:timing>
-    <p:tnLst>
-      <p:par>
-        <p:cTn id="1" dur="indefinite" restart="never" nodeType="tmRoot"/>
-      </p:par>
-    </p:tnLst>
-  </p:timing>
-</p:sld>
-</file>
-
-<file path=ppt/slides/slide7.xml><?xml version="1.0" encoding="utf-8"?>
 <p:sld xmlns:a="http://schemas.openxmlformats.org/drawingml/2006/main" xmlns:r="http://schemas.openxmlformats.org/officeDocument/2006/relationships" xmlns:p="http://schemas.openxmlformats.org/presentationml/2006/main">
   <p:cSld>
     <p:spTree>

--- a/src/ObjectOrientedProgramming/OOP_Images.pptx
+++ b/src/ObjectOrientedProgramming/OOP_Images.pptx
@@ -4528,15 +4528,19 @@
           <a:p>
             <a:r>
               <a:rPr lang="en-US" dirty="0" smtClean="0"/>
-              <a:t>Note – In  C# , it is not possible to inherit from </a:t>
-            </a:r>
-            <a:r>
-              <a:rPr lang="en-US" dirty="0" err="1" smtClean="0"/>
-              <a:t>mulitple</a:t>
+              <a:t>Note – In  C# , it is not possible to inherit </a:t>
+            </a:r>
+            <a:r>
+              <a:rPr lang="en-US" smtClean="0"/>
+              <a:t>from </a:t>
+            </a:r>
+            <a:r>
+              <a:rPr lang="en-US" smtClean="0"/>
+              <a:t>multiple </a:t>
             </a:r>
             <a:r>
               <a:rPr lang="en-US" dirty="0" smtClean="0"/>
-              <a:t> classes and achieved through interfaces</a:t>
+              <a:t>classes and achieved through interfaces</a:t>
             </a:r>
             <a:endParaRPr lang="en-US" dirty="0"/>
           </a:p>
@@ -4817,7 +4821,7 @@
   <a:extraClrSchemeLst/>
   <a:extLst>
     <a:ext uri="{05A4C25C-085E-4340-85A3-A5531E510DB2}">
-      <thm15:themeFamily xmlns:thm15="http://schemas.microsoft.com/office/thememl/2012/main" xmlns="" name="Office Theme" id="{62F939B6-93AF-4DB8-9C6B-D6C7DFDC589F}" vid="{4A3C46E8-61CC-4603-A589-7422A47A8E4A}"/>
+      <thm15:themeFamily xmlns="" xmlns:thm15="http://schemas.microsoft.com/office/thememl/2012/main" name="Office Theme" id="{62F939B6-93AF-4DB8-9C6B-D6C7DFDC589F}" vid="{4A3C46E8-61CC-4603-A589-7422A47A8E4A}"/>
     </a:ext>
   </a:extLst>
 </a:theme>
